--- a/cuda.pptx
+++ b/cuda.pptx
@@ -7,10 +7,8 @@
   <p:sldIdLst>
     <p:sldId id="256" r:id="rId2"/>
     <p:sldId id="257" r:id="rId3"/>
-    <p:sldId id="258" r:id="rId4"/>
-    <p:sldId id="259" r:id="rId5"/>
-    <p:sldId id="260" r:id="rId6"/>
-    <p:sldId id="261" r:id="rId7"/>
+    <p:sldId id="262" r:id="rId4"/>
+    <p:sldId id="263" r:id="rId5"/>
   </p:sldIdLst>
   <p:sldSz cx="12192000" cy="6858000"/>
   <p:notesSz cx="6858000" cy="9144000"/>
@@ -109,6 +107,11 @@
       </a:defRPr>
     </a:lvl9pPr>
   </p:defaultTextStyle>
+  <p:extLst>
+    <p:ext uri="{EFAFB233-063F-42B5-8137-9DF3F51BA10A}">
+      <p15:sldGuideLst xmlns:p15="http://schemas.microsoft.com/office/powerpoint/2012/main"/>
+    </p:ext>
+  </p:extLst>
 </p:presentation>
 </file>
 
@@ -3358,7 +3361,7 @@
             </a:r>
             <a:r>
               <a:rPr lang="en-US" dirty="0"/>
-              <a:t> study</a:t>
+              <a:t> study/toolkit</a:t>
             </a:r>
           </a:p>
         </p:txBody>
@@ -3384,7 +3387,10 @@
           <a:bodyPr/>
           <a:lstStyle/>
           <a:p>
-            <a:endParaRPr lang="en-US"/>
+            <a:r>
+              <a:rPr lang="en-US" dirty="0"/>
+              <a:t>https://docs.nvidia.com/cuda/cuda-c-programming-guide/index.html</a:t>
+            </a:r>
           </a:p>
         </p:txBody>
       </p:sp>
@@ -3439,40 +3445,89 @@
           <a:bodyPr/>
           <a:lstStyle/>
           <a:p>
+            <a:endParaRPr lang="en-US" dirty="0"/>
+          </a:p>
+        </p:txBody>
+      </p:sp>
+      <p:sp>
+        <p:nvSpPr>
+          <p:cNvPr id="3" name="Content Placeholder 2">
+            <a:extLst>
+              <a:ext uri="{FF2B5EF4-FFF2-40B4-BE49-F238E27FC236}">
+                <a16:creationId xmlns:a16="http://schemas.microsoft.com/office/drawing/2014/main" id="{53FBBDF8-F68B-4B91-98D7-06CFDFA2F3AF}"/>
+              </a:ext>
+            </a:extLst>
+          </p:cNvPr>
+          <p:cNvSpPr>
+            <a:spLocks noGrp="1"/>
+          </p:cNvSpPr>
+          <p:nvPr>
+            <p:ph idx="1"/>
+          </p:nvPr>
+        </p:nvSpPr>
+        <p:spPr/>
+        <p:txBody>
+          <a:bodyPr/>
+          <a:lstStyle/>
+          <a:p>
             <a:r>
               <a:rPr lang="en-US" dirty="0"/>
-              <a:t>Introduction and an example</a:t>
-            </a:r>
-          </a:p>
-        </p:txBody>
-      </p:sp>
-      <p:sp>
-        <p:nvSpPr>
-          <p:cNvPr id="3" name="Content Placeholder 2">
-            <a:extLst>
-              <a:ext uri="{FF2B5EF4-FFF2-40B4-BE49-F238E27FC236}">
-                <a16:creationId xmlns:a16="http://schemas.microsoft.com/office/drawing/2014/main" id="{53FBBDF8-F68B-4B91-98D7-06CFDFA2F3AF}"/>
-              </a:ext>
-            </a:extLst>
-          </p:cNvPr>
-          <p:cNvSpPr>
-            <a:spLocks noGrp="1"/>
-          </p:cNvSpPr>
-          <p:nvPr>
-            <p:ph idx="1"/>
-          </p:nvPr>
-        </p:nvSpPr>
-        <p:spPr/>
-        <p:txBody>
-          <a:bodyPr/>
-          <a:lstStyle/>
-          <a:p>
+              <a:t>Introduction and an example: </a:t>
+            </a:r>
             <a:r>
               <a:rPr lang="en-US" dirty="0">
                 <a:hlinkClick r:id="rId2"/>
               </a:rPr>
               <a:t>https://devblogs.nvidia.com/even-easier-introduction-cuda/</a:t>
             </a:r>
+            <a:endParaRPr lang="en-US" dirty="0"/>
+          </a:p>
+          <a:p>
+            <a:r>
+              <a:rPr lang="en-US" dirty="0" err="1"/>
+              <a:t>Saxpy</a:t>
+            </a:r>
+            <a:r>
+              <a:rPr lang="en-US" dirty="0"/>
+              <a:t>: </a:t>
+            </a:r>
+            <a:r>
+              <a:rPr lang="en-US" dirty="0">
+                <a:hlinkClick r:id="rId3"/>
+              </a:rPr>
+              <a:t>https://devblogs.nvidia.com/six-ways-saxpy/</a:t>
+            </a:r>
+            <a:endParaRPr lang="en-US" dirty="0"/>
+          </a:p>
+          <a:p>
+            <a:r>
+              <a:rPr lang="en-US" dirty="0"/>
+              <a:t>Grid-stride loops: </a:t>
+            </a:r>
+            <a:r>
+              <a:rPr lang="en-US" dirty="0">
+                <a:hlinkClick r:id="rId4"/>
+              </a:rPr>
+              <a:t>https://devblogs.nvidia.com/cuda-pro-tip-write-flexible-kernels-grid-stride-loops/</a:t>
+            </a:r>
+            <a:endParaRPr lang="en-US" dirty="0"/>
+          </a:p>
+          <a:p>
+            <a:r>
+              <a:rPr lang="en-US" dirty="0"/>
+              <a:t>Unified memory: https://devblogs.nvidia.com/unified-memory-in-cuda-6/</a:t>
+            </a:r>
+          </a:p>
+          <a:p>
+            <a:endParaRPr lang="en-US" dirty="0"/>
+          </a:p>
+          <a:p>
+            <a:endParaRPr lang="en-US" dirty="0"/>
+          </a:p>
+          <a:p>
+            <a:endParaRPr lang="en-US" dirty="0"/>
+          </a:p>
+          <a:p>
             <a:endParaRPr lang="en-US" dirty="0"/>
           </a:p>
           <a:p>
@@ -3515,7 +3570,7 @@
           <p:cNvPr id="2" name="Title 1">
             <a:extLst>
               <a:ext uri="{FF2B5EF4-FFF2-40B4-BE49-F238E27FC236}">
-                <a16:creationId xmlns:a16="http://schemas.microsoft.com/office/drawing/2014/main" id="{E887E23D-02E1-4DE1-88F0-F3474871467C}"/>
+                <a16:creationId xmlns:a16="http://schemas.microsoft.com/office/drawing/2014/main" id="{FFAC86B5-19A3-4A62-9B1E-D7F845B773BC}"/>
               </a:ext>
             </a:extLst>
           </p:cNvPr>
@@ -3533,7 +3588,7 @@
           <a:p>
             <a:r>
               <a:rPr lang="en-US" dirty="0"/>
-              <a:t>SAXPY what is it?</a:t>
+              <a:t>Cut list and parallel calculate</a:t>
             </a:r>
           </a:p>
         </p:txBody>
@@ -3543,7 +3598,7 @@
           <p:cNvPr id="3" name="Content Placeholder 2">
             <a:extLst>
               <a:ext uri="{FF2B5EF4-FFF2-40B4-BE49-F238E27FC236}">
-                <a16:creationId xmlns:a16="http://schemas.microsoft.com/office/drawing/2014/main" id="{005EED44-690E-4C37-992B-3AAFC552475E}"/>
+                <a16:creationId xmlns:a16="http://schemas.microsoft.com/office/drawing/2014/main" id="{85602105-A9B5-4B48-B933-267AEA2CF60A}"/>
               </a:ext>
             </a:extLst>
           </p:cNvPr>
@@ -3559,17 +3614,23 @@
           <a:bodyPr/>
           <a:lstStyle/>
           <a:p>
+            <a:endParaRPr lang="en-US" dirty="0"/>
+          </a:p>
+          <a:p>
             <a:r>
               <a:rPr lang="en-US" dirty="0"/>
-              <a:t>https://devblogs.nvidia.com/six-ways-saxpy/</a:t>
-            </a:r>
+              <a:t>     https://stackoverflow.com/questions/8691459/how-do-i-parallelize-a-for-loop-through-a-c-stdlist-using-openmp</a:t>
+            </a:r>
+          </a:p>
+          <a:p>
+            <a:endParaRPr lang="en-US" dirty="0"/>
           </a:p>
         </p:txBody>
       </p:sp>
     </p:spTree>
     <p:extLst>
       <p:ext uri="{BB962C8B-B14F-4D97-AF65-F5344CB8AC3E}">
-        <p14:creationId xmlns:p14="http://schemas.microsoft.com/office/powerpoint/2010/main" val="1666746112"/>
+        <p14:creationId xmlns:p14="http://schemas.microsoft.com/office/powerpoint/2010/main" val="2202675492"/>
       </p:ext>
     </p:extLst>
   </p:cSld>
@@ -3601,7 +3662,7 @@
           <p:cNvPr id="2" name="Title 1">
             <a:extLst>
               <a:ext uri="{FF2B5EF4-FFF2-40B4-BE49-F238E27FC236}">
-                <a16:creationId xmlns:a16="http://schemas.microsoft.com/office/drawing/2014/main" id="{CC206B17-59A7-4D1E-90E0-11CF1798A582}"/>
+                <a16:creationId xmlns:a16="http://schemas.microsoft.com/office/drawing/2014/main" id="{2B4E9C2A-66CA-42DD-AE2D-23AC0156F482}"/>
               </a:ext>
             </a:extLst>
           </p:cNvPr>
@@ -3617,10 +3678,7 @@
           <a:bodyPr/>
           <a:lstStyle/>
           <a:p>
-            <a:r>
-              <a:rPr lang="en-US" dirty="0"/>
-              <a:t>Grid-stride loops</a:t>
-            </a:r>
+            <a:endParaRPr lang="en-US"/>
           </a:p>
         </p:txBody>
       </p:sp>
@@ -3629,7 +3687,7 @@
           <p:cNvPr id="3" name="Content Placeholder 2">
             <a:extLst>
               <a:ext uri="{FF2B5EF4-FFF2-40B4-BE49-F238E27FC236}">
-                <a16:creationId xmlns:a16="http://schemas.microsoft.com/office/drawing/2014/main" id="{534AE039-E15D-4463-8257-CA0F7315478B}"/>
+                <a16:creationId xmlns:a16="http://schemas.microsoft.com/office/drawing/2014/main" id="{10BFCC1D-E273-408F-9921-F37B370FC379}"/>
               </a:ext>
             </a:extLst>
           </p:cNvPr>
@@ -3645,189 +3703,14 @@
           <a:bodyPr/>
           <a:lstStyle/>
           <a:p>
-            <a:r>
-              <a:rPr lang="en-US" dirty="0"/>
-              <a:t>https://devblogs.nvidia.com/cuda-pro-tip-write-flexible-kernels-grid-stride-loops/</a:t>
-            </a:r>
+            <a:endParaRPr lang="en-US"/>
           </a:p>
         </p:txBody>
       </p:sp>
     </p:spTree>
     <p:extLst>
       <p:ext uri="{BB962C8B-B14F-4D97-AF65-F5344CB8AC3E}">
-        <p14:creationId xmlns:p14="http://schemas.microsoft.com/office/powerpoint/2010/main" val="699117525"/>
-      </p:ext>
-    </p:extLst>
-  </p:cSld>
-  <p:clrMapOvr>
-    <a:masterClrMapping/>
-  </p:clrMapOvr>
-</p:sld>
-</file>
-
-<file path=ppt/slides/slide5.xml><?xml version="1.0" encoding="utf-8"?>
-<p:sld xmlns:a="http://schemas.openxmlformats.org/drawingml/2006/main" xmlns:r="http://schemas.openxmlformats.org/officeDocument/2006/relationships" xmlns:p="http://schemas.openxmlformats.org/presentationml/2006/main">
-  <p:cSld>
-    <p:spTree>
-      <p:nvGrpSpPr>
-        <p:cNvPr id="1" name=""/>
-        <p:cNvGrpSpPr/>
-        <p:nvPr/>
-      </p:nvGrpSpPr>
-      <p:grpSpPr>
-        <a:xfrm>
-          <a:off x="0" y="0"/>
-          <a:ext cx="0" cy="0"/>
-          <a:chOff x="0" y="0"/>
-          <a:chExt cx="0" cy="0"/>
-        </a:xfrm>
-      </p:grpSpPr>
-      <p:sp>
-        <p:nvSpPr>
-          <p:cNvPr id="2" name="Title 1">
-            <a:extLst>
-              <a:ext uri="{FF2B5EF4-FFF2-40B4-BE49-F238E27FC236}">
-                <a16:creationId xmlns:a16="http://schemas.microsoft.com/office/drawing/2014/main" id="{3B60F555-30A7-4F6B-B1F3-5A8DD1F9A642}"/>
-              </a:ext>
-            </a:extLst>
-          </p:cNvPr>
-          <p:cNvSpPr>
-            <a:spLocks noGrp="1"/>
-          </p:cNvSpPr>
-          <p:nvPr>
-            <p:ph type="title"/>
-          </p:nvPr>
-        </p:nvSpPr>
-        <p:spPr/>
-        <p:txBody>
-          <a:bodyPr/>
-          <a:lstStyle/>
-          <a:p>
-            <a:r>
-              <a:rPr lang="en-US" dirty="0"/>
-              <a:t>Pascal platform/ see what’s in GPU</a:t>
-            </a:r>
-          </a:p>
-        </p:txBody>
-      </p:sp>
-      <p:sp>
-        <p:nvSpPr>
-          <p:cNvPr id="3" name="Content Placeholder 2">
-            <a:extLst>
-              <a:ext uri="{FF2B5EF4-FFF2-40B4-BE49-F238E27FC236}">
-                <a16:creationId xmlns:a16="http://schemas.microsoft.com/office/drawing/2014/main" id="{6DBF4CA0-00E2-4889-8F59-F0D148AD7B6F}"/>
-              </a:ext>
-            </a:extLst>
-          </p:cNvPr>
-          <p:cNvSpPr>
-            <a:spLocks noGrp="1"/>
-          </p:cNvSpPr>
-          <p:nvPr>
-            <p:ph idx="1"/>
-          </p:nvPr>
-        </p:nvSpPr>
-        <p:spPr/>
-        <p:txBody>
-          <a:bodyPr/>
-          <a:lstStyle/>
-          <a:p>
-            <a:r>
-              <a:rPr lang="en-US" dirty="0"/>
-              <a:t>https://devblogs.nvidia.com/inside-pascal/</a:t>
-            </a:r>
-          </a:p>
-        </p:txBody>
-      </p:sp>
-    </p:spTree>
-    <p:extLst>
-      <p:ext uri="{BB962C8B-B14F-4D97-AF65-F5344CB8AC3E}">
-        <p14:creationId xmlns:p14="http://schemas.microsoft.com/office/powerpoint/2010/main" val="2959630306"/>
-      </p:ext>
-    </p:extLst>
-  </p:cSld>
-  <p:clrMapOvr>
-    <a:masterClrMapping/>
-  </p:clrMapOvr>
-</p:sld>
-</file>
-
-<file path=ppt/slides/slide6.xml><?xml version="1.0" encoding="utf-8"?>
-<p:sld xmlns:a="http://schemas.openxmlformats.org/drawingml/2006/main" xmlns:r="http://schemas.openxmlformats.org/officeDocument/2006/relationships" xmlns:p="http://schemas.openxmlformats.org/presentationml/2006/main">
-  <p:cSld>
-    <p:spTree>
-      <p:nvGrpSpPr>
-        <p:cNvPr id="1" name=""/>
-        <p:cNvGrpSpPr/>
-        <p:nvPr/>
-      </p:nvGrpSpPr>
-      <p:grpSpPr>
-        <a:xfrm>
-          <a:off x="0" y="0"/>
-          <a:ext cx="0" cy="0"/>
-          <a:chOff x="0" y="0"/>
-          <a:chExt cx="0" cy="0"/>
-        </a:xfrm>
-      </p:grpSpPr>
-      <p:sp>
-        <p:nvSpPr>
-          <p:cNvPr id="2" name="Title 1">
-            <a:extLst>
-              <a:ext uri="{FF2B5EF4-FFF2-40B4-BE49-F238E27FC236}">
-                <a16:creationId xmlns:a16="http://schemas.microsoft.com/office/drawing/2014/main" id="{3618A43B-C1F2-465D-9A98-48DB6C33B7A4}"/>
-              </a:ext>
-            </a:extLst>
-          </p:cNvPr>
-          <p:cNvSpPr>
-            <a:spLocks noGrp="1"/>
-          </p:cNvSpPr>
-          <p:nvPr>
-            <p:ph type="title"/>
-          </p:nvPr>
-        </p:nvSpPr>
-        <p:spPr/>
-        <p:txBody>
-          <a:bodyPr/>
-          <a:lstStyle/>
-          <a:p>
-            <a:r>
-              <a:rPr lang="en-US" dirty="0"/>
-              <a:t>Unified memory</a:t>
-            </a:r>
-          </a:p>
-        </p:txBody>
-      </p:sp>
-      <p:sp>
-        <p:nvSpPr>
-          <p:cNvPr id="3" name="Content Placeholder 2">
-            <a:extLst>
-              <a:ext uri="{FF2B5EF4-FFF2-40B4-BE49-F238E27FC236}">
-                <a16:creationId xmlns:a16="http://schemas.microsoft.com/office/drawing/2014/main" id="{F116F9DC-B45F-4378-A1F2-E5ED394774C7}"/>
-              </a:ext>
-            </a:extLst>
-          </p:cNvPr>
-          <p:cNvSpPr>
-            <a:spLocks noGrp="1"/>
-          </p:cNvSpPr>
-          <p:nvPr>
-            <p:ph idx="1"/>
-          </p:nvPr>
-        </p:nvSpPr>
-        <p:spPr/>
-        <p:txBody>
-          <a:bodyPr/>
-          <a:lstStyle/>
-          <a:p>
-            <a:r>
-              <a:rPr lang="en-US" dirty="0"/>
-              <a:t>https://devblogs.nvidia.com/unified-memory-in-cuda-6/</a:t>
-            </a:r>
-          </a:p>
-        </p:txBody>
-      </p:sp>
-    </p:spTree>
-    <p:extLst>
-      <p:ext uri="{BB962C8B-B14F-4D97-AF65-F5344CB8AC3E}">
-        <p14:creationId xmlns:p14="http://schemas.microsoft.com/office/powerpoint/2010/main" val="3346484975"/>
+        <p14:creationId xmlns:p14="http://schemas.microsoft.com/office/powerpoint/2010/main" val="1968114905"/>
       </p:ext>
     </p:extLst>
   </p:cSld>
